--- a/Elastic_APM_Presentation.pptx
+++ b/Elastic_APM_Presentation.pptx
@@ -15,11 +15,8 @@
     <p:sldId id="263" r:id="rId9"/>
     <p:sldId id="264" r:id="rId10"/>
     <p:sldId id="265" r:id="rId11"/>
-    <p:sldId id="266" r:id="rId12"/>
-    <p:sldId id="267" r:id="rId13"/>
-    <p:sldId id="268" r:id="rId14"/>
-    <p:sldId id="269" r:id="rId15"/>
-    <p:sldId id="270" r:id="rId16"/>
+    <p:sldId id="268" r:id="rId12"/>
+    <p:sldId id="269" r:id="rId13"/>
   </p:sldIdLst>
   <p:sldSz cx="9144000" cy="6858000" type="screen4x3"/>
   <p:notesSz cx="6858000" cy="9144000"/>
@@ -316,7 +313,7 @@
           <a:p>
             <a:fld id="{5BCAD085-E8A6-8845-BD4E-CB4CCA059FC4}" type="datetimeFigureOut">
               <a:rPr lang="en-US" smtClean="0"/>
-              <a:t>5/24/2024</a:t>
+              <a:t>5/27/2024</a:t>
             </a:fld>
             <a:endParaRPr lang="en-US"/>
           </a:p>
@@ -484,7 +481,7 @@
           <a:p>
             <a:fld id="{5BCAD085-E8A6-8845-BD4E-CB4CCA059FC4}" type="datetimeFigureOut">
               <a:rPr lang="en-US" smtClean="0"/>
-              <a:t>5/24/2024</a:t>
+              <a:t>5/27/2024</a:t>
             </a:fld>
             <a:endParaRPr lang="en-US"/>
           </a:p>
@@ -662,7 +659,7 @@
           <a:p>
             <a:fld id="{5BCAD085-E8A6-8845-BD4E-CB4CCA059FC4}" type="datetimeFigureOut">
               <a:rPr lang="en-US" smtClean="0"/>
-              <a:t>5/24/2024</a:t>
+              <a:t>5/27/2024</a:t>
             </a:fld>
             <a:endParaRPr lang="en-US"/>
           </a:p>
@@ -830,7 +827,7 @@
           <a:p>
             <a:fld id="{5BCAD085-E8A6-8845-BD4E-CB4CCA059FC4}" type="datetimeFigureOut">
               <a:rPr lang="en-US" smtClean="0"/>
-              <a:t>5/24/2024</a:t>
+              <a:t>5/27/2024</a:t>
             </a:fld>
             <a:endParaRPr lang="en-US"/>
           </a:p>
@@ -1075,7 +1072,7 @@
           <a:p>
             <a:fld id="{5BCAD085-E8A6-8845-BD4E-CB4CCA059FC4}" type="datetimeFigureOut">
               <a:rPr lang="en-US" smtClean="0"/>
-              <a:t>5/24/2024</a:t>
+              <a:t>5/27/2024</a:t>
             </a:fld>
             <a:endParaRPr lang="en-US"/>
           </a:p>
@@ -1360,7 +1357,7 @@
           <a:p>
             <a:fld id="{5BCAD085-E8A6-8845-BD4E-CB4CCA059FC4}" type="datetimeFigureOut">
               <a:rPr lang="en-US" smtClean="0"/>
-              <a:t>5/24/2024</a:t>
+              <a:t>5/27/2024</a:t>
             </a:fld>
             <a:endParaRPr lang="en-US"/>
           </a:p>
@@ -1779,7 +1776,7 @@
           <a:p>
             <a:fld id="{5BCAD085-E8A6-8845-BD4E-CB4CCA059FC4}" type="datetimeFigureOut">
               <a:rPr lang="en-US" smtClean="0"/>
-              <a:t>5/24/2024</a:t>
+              <a:t>5/27/2024</a:t>
             </a:fld>
             <a:endParaRPr lang="en-US"/>
           </a:p>
@@ -1896,7 +1893,7 @@
           <a:p>
             <a:fld id="{5BCAD085-E8A6-8845-BD4E-CB4CCA059FC4}" type="datetimeFigureOut">
               <a:rPr lang="en-US" smtClean="0"/>
-              <a:t>5/24/2024</a:t>
+              <a:t>5/27/2024</a:t>
             </a:fld>
             <a:endParaRPr lang="en-US"/>
           </a:p>
@@ -1991,7 +1988,7 @@
           <a:p>
             <a:fld id="{5BCAD085-E8A6-8845-BD4E-CB4CCA059FC4}" type="datetimeFigureOut">
               <a:rPr lang="en-US" smtClean="0"/>
-              <a:t>5/24/2024</a:t>
+              <a:t>5/27/2024</a:t>
             </a:fld>
             <a:endParaRPr lang="en-US"/>
           </a:p>
@@ -2266,7 +2263,7 @@
           <a:p>
             <a:fld id="{5BCAD085-E8A6-8845-BD4E-CB4CCA059FC4}" type="datetimeFigureOut">
               <a:rPr lang="en-US" smtClean="0"/>
-              <a:t>5/24/2024</a:t>
+              <a:t>5/27/2024</a:t>
             </a:fld>
             <a:endParaRPr lang="en-US"/>
           </a:p>
@@ -2518,7 +2515,7 @@
           <a:p>
             <a:fld id="{5BCAD085-E8A6-8845-BD4E-CB4CCA059FC4}" type="datetimeFigureOut">
               <a:rPr lang="en-US" smtClean="0"/>
-              <a:t>5/24/2024</a:t>
+              <a:t>5/27/2024</a:t>
             </a:fld>
             <a:endParaRPr lang="en-US"/>
           </a:p>
@@ -2729,7 +2726,7 @@
           <a:p>
             <a:fld id="{5BCAD085-E8A6-8845-BD4E-CB4CCA059FC4}" type="datetimeFigureOut">
               <a:rPr lang="en-US" smtClean="0"/>
-              <a:t>5/24/2024</a:t>
+              <a:t>5/27/2024</a:t>
             </a:fld>
             <a:endParaRPr lang="en-US"/>
           </a:p>
@@ -3284,7 +3281,7 @@
           <a:lstStyle/>
           <a:p>
             <a:r>
-              <a:t>Configurar Alertas e Dashboards</a:t>
+              <a:t>Demonstração Prática</a:t>
             </a:r>
           </a:p>
         </p:txBody>
@@ -3305,12 +3302,17 @@
           <a:lstStyle/>
           <a:p>
             <a:r>
-              <a:t>Criar dashboards personalizados</a:t>
-            </a:r>
-          </a:p>
-          <a:p>
-            <a:r>
-              <a:t>Configurar alertas para erros e desempenho</a:t>
+              <a:t>Subir o APM Server ao vivo</a:t>
+            </a:r>
+          </a:p>
+          <a:p>
+            <a:r>
+              <a:t>Instrumentar uma aplicação ao vivo</a:t>
+            </a:r>
+          </a:p>
+          <a:p>
+            <a:r>
+              <a:t>Mostrar dados de performance em tempo real no Kibana</a:t>
             </a:r>
           </a:p>
         </p:txBody>
@@ -3356,7 +3358,7 @@
           <a:lstStyle/>
           <a:p>
             <a:r>
-              <a:t>Melhores Práticas e Dicas</a:t>
+              <a:t>Perguntas e Respostas</a:t>
             </a:r>
           </a:p>
         </p:txBody>
@@ -3377,238 +3379,7 @@
           <a:lstStyle/>
           <a:p>
             <a:r>
-              <a:t>Configuração otimizada</a:t>
-            </a:r>
-          </a:p>
-          <a:p>
-            <a:r>
-              <a:t>Monitoramento contínuo</a:t>
-            </a:r>
-          </a:p>
-          <a:p>
-            <a:r>
-              <a:t>Análise regular dos dados</a:t>
-            </a:r>
-          </a:p>
-        </p:txBody>
-      </p:sp>
-    </p:spTree>
-  </p:cSld>
-  <p:clrMapOvr>
-    <a:masterClrMapping/>
-  </p:clrMapOvr>
-</p:sld>
-</file>
-
-<file path=ppt/slides/slide13.xml><?xml version="1.0" encoding="utf-8"?>
-<p:sld xmlns:a="http://schemas.openxmlformats.org/drawingml/2006/main" xmlns:r="http://schemas.openxmlformats.org/officeDocument/2006/relationships" xmlns:p="http://schemas.openxmlformats.org/presentationml/2006/main">
-  <p:cSld>
-    <p:spTree>
-      <p:nvGrpSpPr>
-        <p:cNvPr id="1" name=""/>
-        <p:cNvGrpSpPr/>
-        <p:nvPr/>
-      </p:nvGrpSpPr>
-      <p:grpSpPr>
-        <a:xfrm>
-          <a:off x="0" y="0"/>
-          <a:ext cx="0" cy="0"/>
-          <a:chOff x="0" y="0"/>
-          <a:chExt cx="0" cy="0"/>
-        </a:xfrm>
-      </p:grpSpPr>
-      <p:sp>
-        <p:nvSpPr>
-          <p:cNvPr id="2" name="Title 1"/>
-          <p:cNvSpPr>
-            <a:spLocks noGrp="1"/>
-          </p:cNvSpPr>
-          <p:nvPr>
-            <p:ph type="title"/>
-          </p:nvPr>
-        </p:nvSpPr>
-        <p:spPr/>
-        <p:txBody>
-          <a:bodyPr/>
-          <a:lstStyle/>
-          <a:p>
-            <a:r>
-              <a:t>Demonstração Prática</a:t>
-            </a:r>
-          </a:p>
-        </p:txBody>
-      </p:sp>
-      <p:sp>
-        <p:nvSpPr>
-          <p:cNvPr id="3" name="Content Placeholder 2"/>
-          <p:cNvSpPr>
-            <a:spLocks noGrp="1"/>
-          </p:cNvSpPr>
-          <p:nvPr>
-            <p:ph idx="1"/>
-          </p:nvPr>
-        </p:nvSpPr>
-        <p:spPr/>
-        <p:txBody>
-          <a:bodyPr/>
-          <a:lstStyle/>
-          <a:p>
-            <a:r>
-              <a:t>Subir o APM Server ao vivo</a:t>
-            </a:r>
-          </a:p>
-          <a:p>
-            <a:r>
-              <a:t>Instrumentar uma aplicação ao vivo</a:t>
-            </a:r>
-          </a:p>
-          <a:p>
-            <a:r>
-              <a:t>Mostrar dados de performance em tempo real no Kibana</a:t>
-            </a:r>
-          </a:p>
-        </p:txBody>
-      </p:sp>
-    </p:spTree>
-  </p:cSld>
-  <p:clrMapOvr>
-    <a:masterClrMapping/>
-  </p:clrMapOvr>
-</p:sld>
-</file>
-
-<file path=ppt/slides/slide14.xml><?xml version="1.0" encoding="utf-8"?>
-<p:sld xmlns:a="http://schemas.openxmlformats.org/drawingml/2006/main" xmlns:r="http://schemas.openxmlformats.org/officeDocument/2006/relationships" xmlns:p="http://schemas.openxmlformats.org/presentationml/2006/main">
-  <p:cSld>
-    <p:spTree>
-      <p:nvGrpSpPr>
-        <p:cNvPr id="1" name=""/>
-        <p:cNvGrpSpPr/>
-        <p:nvPr/>
-      </p:nvGrpSpPr>
-      <p:grpSpPr>
-        <a:xfrm>
-          <a:off x="0" y="0"/>
-          <a:ext cx="0" cy="0"/>
-          <a:chOff x="0" y="0"/>
-          <a:chExt cx="0" cy="0"/>
-        </a:xfrm>
-      </p:grpSpPr>
-      <p:sp>
-        <p:nvSpPr>
-          <p:cNvPr id="2" name="Title 1"/>
-          <p:cNvSpPr>
-            <a:spLocks noGrp="1"/>
-          </p:cNvSpPr>
-          <p:nvPr>
-            <p:ph type="title"/>
-          </p:nvPr>
-        </p:nvSpPr>
-        <p:spPr/>
-        <p:txBody>
-          <a:bodyPr/>
-          <a:lstStyle/>
-          <a:p>
-            <a:r>
-              <a:t>Perguntas e Respostas</a:t>
-            </a:r>
-          </a:p>
-        </p:txBody>
-      </p:sp>
-      <p:sp>
-        <p:nvSpPr>
-          <p:cNvPr id="3" name="Content Placeholder 2"/>
-          <p:cNvSpPr>
-            <a:spLocks noGrp="1"/>
-          </p:cNvSpPr>
-          <p:nvPr>
-            <p:ph idx="1"/>
-          </p:nvPr>
-        </p:nvSpPr>
-        <p:spPr/>
-        <p:txBody>
-          <a:bodyPr/>
-          <a:lstStyle/>
-          <a:p>
-            <a:r>
               <a:t>Abrir espaço para perguntas da audiência</a:t>
-            </a:r>
-          </a:p>
-        </p:txBody>
-      </p:sp>
-    </p:spTree>
-  </p:cSld>
-  <p:clrMapOvr>
-    <a:masterClrMapping/>
-  </p:clrMapOvr>
-</p:sld>
-</file>
-
-<file path=ppt/slides/slide15.xml><?xml version="1.0" encoding="utf-8"?>
-<p:sld xmlns:a="http://schemas.openxmlformats.org/drawingml/2006/main" xmlns:r="http://schemas.openxmlformats.org/officeDocument/2006/relationships" xmlns:p="http://schemas.openxmlformats.org/presentationml/2006/main">
-  <p:cSld>
-    <p:spTree>
-      <p:nvGrpSpPr>
-        <p:cNvPr id="1" name=""/>
-        <p:cNvGrpSpPr/>
-        <p:nvPr/>
-      </p:nvGrpSpPr>
-      <p:grpSpPr>
-        <a:xfrm>
-          <a:off x="0" y="0"/>
-          <a:ext cx="0" cy="0"/>
-          <a:chOff x="0" y="0"/>
-          <a:chExt cx="0" cy="0"/>
-        </a:xfrm>
-      </p:grpSpPr>
-      <p:sp>
-        <p:nvSpPr>
-          <p:cNvPr id="2" name="Title 1"/>
-          <p:cNvSpPr>
-            <a:spLocks noGrp="1"/>
-          </p:cNvSpPr>
-          <p:nvPr>
-            <p:ph type="title"/>
-          </p:nvPr>
-        </p:nvSpPr>
-        <p:spPr/>
-        <p:txBody>
-          <a:bodyPr/>
-          <a:lstStyle/>
-          <a:p>
-            <a:r>
-              <a:t>Recursos Adicionais</a:t>
-            </a:r>
-          </a:p>
-        </p:txBody>
-      </p:sp>
-      <p:sp>
-        <p:nvSpPr>
-          <p:cNvPr id="3" name="Content Placeholder 2"/>
-          <p:cNvSpPr>
-            <a:spLocks noGrp="1"/>
-          </p:cNvSpPr>
-          <p:nvPr>
-            <p:ph idx="1"/>
-          </p:nvPr>
-        </p:nvSpPr>
-        <p:spPr/>
-        <p:txBody>
-          <a:bodyPr/>
-          <a:lstStyle/>
-          <a:p>
-            <a:r>
-              <a:t>Documentação oficial do Elastic APM</a:t>
-            </a:r>
-          </a:p>
-          <a:p>
-            <a:r>
-              <a:t>Comunidade e fóruns da Elastic</a:t>
-            </a:r>
-          </a:p>
-          <a:p>
-            <a:r>
-              <a:t>Repositórios de exemplo no GitHub</a:t>
             </a:r>
           </a:p>
         </p:txBody>
